--- a/documentations/dotnet-ui.pptx
+++ b/documentations/dotnet-ui.pptx
@@ -206,7 +206,7 @@
           <a:p>
             <a:fld id="{CCC4EFD1-5BF2-4253-9414-23E7CCA35C85}" type="datetimeFigureOut">
               <a:rPr lang="fr-FR" smtClean="0"/>
-              <a:t>01/11/2020</a:t>
+              <a:t>10/10/2022</a:t>
             </a:fld>
             <a:endParaRPr lang="fr-FR"/>
           </a:p>
@@ -620,7 +620,7 @@
           <a:p>
             <a:fld id="{0E1EA240-0EED-4ECD-B243-46C15A0FCC3C}" type="datetimeFigureOut">
               <a:rPr lang="fr-FR" smtClean="0"/>
-              <a:t>01/11/2020</a:t>
+              <a:t>10/10/2022</a:t>
             </a:fld>
             <a:endParaRPr lang="fr-FR"/>
           </a:p>
@@ -818,7 +818,7 @@
           <a:p>
             <a:fld id="{0E1EA240-0EED-4ECD-B243-46C15A0FCC3C}" type="datetimeFigureOut">
               <a:rPr lang="fr-FR" smtClean="0"/>
-              <a:t>01/11/2020</a:t>
+              <a:t>10/10/2022</a:t>
             </a:fld>
             <a:endParaRPr lang="fr-FR"/>
           </a:p>
@@ -1026,7 +1026,7 @@
           <a:p>
             <a:fld id="{0E1EA240-0EED-4ECD-B243-46C15A0FCC3C}" type="datetimeFigureOut">
               <a:rPr lang="fr-FR" smtClean="0"/>
-              <a:t>01/11/2020</a:t>
+              <a:t>10/10/2022</a:t>
             </a:fld>
             <a:endParaRPr lang="fr-FR"/>
           </a:p>
@@ -1224,7 +1224,7 @@
           <a:p>
             <a:fld id="{0E1EA240-0EED-4ECD-B243-46C15A0FCC3C}" type="datetimeFigureOut">
               <a:rPr lang="fr-FR" smtClean="0"/>
-              <a:t>01/11/2020</a:t>
+              <a:t>10/10/2022</a:t>
             </a:fld>
             <a:endParaRPr lang="fr-FR"/>
           </a:p>
@@ -1499,7 +1499,7 @@
           <a:p>
             <a:fld id="{0E1EA240-0EED-4ECD-B243-46C15A0FCC3C}" type="datetimeFigureOut">
               <a:rPr lang="fr-FR" smtClean="0"/>
-              <a:t>01/11/2020</a:t>
+              <a:t>10/10/2022</a:t>
             </a:fld>
             <a:endParaRPr lang="fr-FR"/>
           </a:p>
@@ -1764,7 +1764,7 @@
           <a:p>
             <a:fld id="{0E1EA240-0EED-4ECD-B243-46C15A0FCC3C}" type="datetimeFigureOut">
               <a:rPr lang="fr-FR" smtClean="0"/>
-              <a:t>01/11/2020</a:t>
+              <a:t>10/10/2022</a:t>
             </a:fld>
             <a:endParaRPr lang="fr-FR"/>
           </a:p>
@@ -2176,7 +2176,7 @@
           <a:p>
             <a:fld id="{0E1EA240-0EED-4ECD-B243-46C15A0FCC3C}" type="datetimeFigureOut">
               <a:rPr lang="fr-FR" smtClean="0"/>
-              <a:t>01/11/2020</a:t>
+              <a:t>10/10/2022</a:t>
             </a:fld>
             <a:endParaRPr lang="fr-FR"/>
           </a:p>
@@ -2317,7 +2317,7 @@
           <a:p>
             <a:fld id="{0E1EA240-0EED-4ECD-B243-46C15A0FCC3C}" type="datetimeFigureOut">
               <a:rPr lang="fr-FR" smtClean="0"/>
-              <a:t>01/11/2020</a:t>
+              <a:t>10/10/2022</a:t>
             </a:fld>
             <a:endParaRPr lang="fr-FR"/>
           </a:p>
@@ -2430,7 +2430,7 @@
           <a:p>
             <a:fld id="{0E1EA240-0EED-4ECD-B243-46C15A0FCC3C}" type="datetimeFigureOut">
               <a:rPr lang="fr-FR" smtClean="0"/>
-              <a:t>01/11/2020</a:t>
+              <a:t>10/10/2022</a:t>
             </a:fld>
             <a:endParaRPr lang="fr-FR"/>
           </a:p>
@@ -2741,7 +2741,7 @@
           <a:p>
             <a:fld id="{0E1EA240-0EED-4ECD-B243-46C15A0FCC3C}" type="datetimeFigureOut">
               <a:rPr lang="fr-FR" smtClean="0"/>
-              <a:t>01/11/2020</a:t>
+              <a:t>10/10/2022</a:t>
             </a:fld>
             <a:endParaRPr lang="fr-FR"/>
           </a:p>
@@ -3029,7 +3029,7 @@
           <a:p>
             <a:fld id="{0E1EA240-0EED-4ECD-B243-46C15A0FCC3C}" type="datetimeFigureOut">
               <a:rPr lang="fr-FR" smtClean="0"/>
-              <a:t>01/11/2020</a:t>
+              <a:t>10/10/2022</a:t>
             </a:fld>
             <a:endParaRPr lang="fr-FR"/>
           </a:p>
@@ -3270,7 +3270,7 @@
           <a:p>
             <a:fld id="{0E1EA240-0EED-4ECD-B243-46C15A0FCC3C}" type="datetimeFigureOut">
               <a:rPr lang="fr-FR" smtClean="0"/>
-              <a:t>01/11/2020</a:t>
+              <a:t>10/10/2022</a:t>
             </a:fld>
             <a:endParaRPr lang="fr-FR"/>
           </a:p>
@@ -5902,14 +5902,14 @@
             <p:ph idx="1"/>
             <p:extLst>
               <p:ext uri="{D42A27DB-BD31-4B8C-83A1-F6EECF244321}">
-                <p14:modId xmlns:p14="http://schemas.microsoft.com/office/powerpoint/2010/main" val="971993166"/>
+                <p14:modId xmlns:p14="http://schemas.microsoft.com/office/powerpoint/2010/main" val="1572568934"/>
               </p:ext>
             </p:extLst>
           </p:nvPr>
         </p:nvGraphicFramePr>
         <p:xfrm>
           <a:off x="1" y="0"/>
-          <a:ext cx="12191999" cy="7137562"/>
+          <a:ext cx="12191999" cy="7092580"/>
         </p:xfrm>
         <a:graphic>
           <a:graphicData uri="http://schemas.openxmlformats.org/drawingml/2006/table">
@@ -7266,7 +7266,7 @@
                       <a:pPr algn="ctr"/>
                       <a:r>
                         <a:rPr lang="fr-FR" dirty="0"/>
-                        <a:t>Alpha</a:t>
+                        <a:t>Oui</a:t>
                       </a:r>
                     </a:p>
                   </a:txBody>
@@ -7280,7 +7280,7 @@
                       <a:pPr algn="ctr"/>
                       <a:r>
                         <a:rPr lang="fr-FR" dirty="0"/>
-                        <a:t>Alpha</a:t>
+                        <a:t>Oui</a:t>
                       </a:r>
                     </a:p>
                   </a:txBody>
@@ -7293,12 +7293,8 @@
                     <a:p>
                       <a:pPr algn="ctr"/>
                       <a:r>
-                        <a:rPr lang="fr-FR" dirty="0" err="1"/>
-                        <a:t>Early</a:t>
-                      </a:r>
-                      <a:r>
                         <a:rPr lang="fr-FR" dirty="0"/>
-                        <a:t> alpha</a:t>
+                        <a:t>Oui</a:t>
                       </a:r>
                     </a:p>
                   </a:txBody>
@@ -7379,12 +7375,8 @@
                     <a:p>
                       <a:pPr algn="ctr"/>
                       <a:r>
-                        <a:rPr lang="fr-FR" dirty="0" err="1"/>
-                        <a:t>Early</a:t>
-                      </a:r>
-                      <a:r>
                         <a:rPr lang="fr-FR" dirty="0"/>
-                        <a:t> alpha</a:t>
+                        <a:t>Oui</a:t>
                       </a:r>
                     </a:p>
                   </a:txBody>
@@ -7397,12 +7389,8 @@
                     <a:p>
                       <a:pPr algn="ctr"/>
                       <a:r>
-                        <a:rPr lang="fr-FR" dirty="0" err="1"/>
-                        <a:t>Early</a:t>
-                      </a:r>
-                      <a:r>
                         <a:rPr lang="fr-FR" dirty="0"/>
-                        <a:t> alpha</a:t>
+                        <a:t>Oui</a:t>
                       </a:r>
                     </a:p>
                   </a:txBody>
@@ -7497,7 +7485,7 @@
                       <a:pPr algn="ctr"/>
                       <a:r>
                         <a:rPr lang="fr-FR" dirty="0"/>
-                        <a:t>?</a:t>
+                        <a:t>Oui</a:t>
                       </a:r>
                     </a:p>
                   </a:txBody>
@@ -7511,7 +7499,7 @@
                       <a:pPr algn="ctr"/>
                       <a:r>
                         <a:rPr lang="fr-FR" dirty="0"/>
-                        <a:t>?</a:t>
+                        <a:t>Oui</a:t>
                       </a:r>
                     </a:p>
                   </a:txBody>
@@ -7525,7 +7513,7 @@
                       <a:pPr algn="ctr"/>
                       <a:r>
                         <a:rPr lang="fr-FR" dirty="0"/>
-                        <a:t>?</a:t>
+                        <a:t>Oui</a:t>
                       </a:r>
                     </a:p>
                   </a:txBody>
@@ -7539,7 +7527,7 @@
                       <a:pPr algn="ctr"/>
                       <a:r>
                         <a:rPr lang="fr-FR" dirty="0"/>
-                        <a:t>?</a:t>
+                        <a:t>Oui</a:t>
                       </a:r>
                     </a:p>
                   </a:txBody>
@@ -7553,7 +7541,7 @@
                       <a:pPr algn="ctr"/>
                       <a:r>
                         <a:rPr lang="fr-FR" dirty="0"/>
-                        <a:t>?</a:t>
+                        <a:t>Oui</a:t>
                       </a:r>
                     </a:p>
                   </a:txBody>
@@ -7566,9 +7554,10 @@
                     <a:p>
                       <a:pPr algn="ctr"/>
                       <a:r>
-                        <a:rPr lang="fr-FR" dirty="0"/>
-                        <a:t>?</a:t>
-                      </a:r>
+                        <a:rPr lang="fr-FR"/>
+                        <a:t>Oui</a:t>
+                      </a:r>
+                      <a:endParaRPr lang="fr-FR" dirty="0"/>
                     </a:p>
                   </a:txBody>
                   <a:tcPr anchor="ctr"/>
